--- a/Windows/UDP套接字编程demo.pptx
+++ b/Windows/UDP套接字编程demo.pptx
@@ -3009,7 +3009,7 @@
               <a:t>demo</a:t>
             </a:r>
             <a:r>
-              <a:rPr lang="zh-CN" altLang="en-US" dirty="0" smtClean="0"/>
+              <a:rPr lang="zh-CN" altLang="en-US" smtClean="0"/>
               <a:t>演示</a:t>
             </a:r>
             <a:endParaRPr lang="zh-CN" altLang="en-US" dirty="0"/>
@@ -3155,6 +3155,20 @@
             </a:r>
             <a:endParaRPr lang="en-US" altLang="zh-CN" dirty="0" smtClean="0"/>
           </a:p>
+          <a:p>
+            <a:endParaRPr lang="en-US" altLang="zh-CN" dirty="0"/>
+          </a:p>
+          <a:p>
+            <a:r>
+              <a:rPr lang="en-US" altLang="zh-CN" dirty="0" smtClean="0"/>
+              <a:t>UDP</a:t>
+            </a:r>
+            <a:r>
+              <a:rPr lang="zh-CN" altLang="en-US" dirty="0" smtClean="0"/>
+              <a:t>是无连接的</a:t>
+            </a:r>
+            <a:endParaRPr lang="en-US" altLang="zh-CN" dirty="0" smtClean="0"/>
+          </a:p>
         </p:txBody>
       </p:sp>
     </p:spTree>
@@ -3531,7 +3545,11 @@
             </a:pPr>
             <a:r>
               <a:rPr lang="zh-CN" altLang="en-US" dirty="0" smtClean="0"/>
-              <a:t>从键盘读取输入</a:t>
+              <a:t>从键盘</a:t>
+            </a:r>
+            <a:r>
+              <a:rPr lang="zh-CN" altLang="en-US" dirty="0" smtClean="0"/>
+              <a:t>读取输入</a:t>
             </a:r>
             <a:endParaRPr lang="en-US" altLang="zh-CN" dirty="0" smtClean="0"/>
           </a:p>
@@ -3973,12 +3991,20 @@
               <a:t>调用</a:t>
             </a:r>
             <a:r>
+              <a:rPr lang="en-US" altLang="zh-CN" dirty="0" err="1" smtClean="0">
+                <a:solidFill>
+                  <a:srgbClr val="00B0F0"/>
+                </a:solidFill>
+              </a:rPr>
+              <a:t>recvfrom</a:t>
+            </a:r>
+            <a:r>
               <a:rPr lang="en-US" altLang="zh-CN" dirty="0" smtClean="0">
                 <a:solidFill>
                   <a:srgbClr val="00B0F0"/>
                 </a:solidFill>
               </a:rPr>
-              <a:t>recvfrom()</a:t>
+              <a:t>()</a:t>
             </a:r>
             <a:r>
               <a:rPr lang="zh-CN" altLang="en-US" dirty="0" smtClean="0">
@@ -4001,7 +4027,11 @@
             </a:pPr>
             <a:r>
               <a:rPr lang="zh-CN" altLang="en-US" dirty="0" smtClean="0"/>
-              <a:t>输出消息到命令行</a:t>
+              <a:t>输出消息</a:t>
+            </a:r>
+            <a:r>
+              <a:rPr lang="zh-CN" altLang="en-US" dirty="0" smtClean="0"/>
+              <a:t>到命令行</a:t>
             </a:r>
             <a:endParaRPr lang="en-US" altLang="zh-CN" dirty="0" smtClean="0"/>
           </a:p>
